--- a/Documents/Presentation.pptx
+++ b/Documents/Presentation.pptx
@@ -5,31 +5,32 @@
     <p:sldMasterId id="2147483687" r:id="rId1"/>
   </p:sldMasterIdLst>
   <p:notesMasterIdLst>
-    <p:notesMasterId r:id="rId7"/>
+    <p:notesMasterId r:id="rId8"/>
   </p:notesMasterIdLst>
   <p:sldIdLst>
     <p:sldId id="256" r:id="rId2"/>
     <p:sldId id="280" r:id="rId3"/>
     <p:sldId id="263" r:id="rId4"/>
-    <p:sldId id="282" r:id="rId5"/>
-    <p:sldId id="261" r:id="rId6"/>
+    <p:sldId id="283" r:id="rId5"/>
+    <p:sldId id="282" r:id="rId6"/>
+    <p:sldId id="261" r:id="rId7"/>
   </p:sldIdLst>
   <p:sldSz cx="9144000" cy="5143500" type="screen16x9"/>
   <p:notesSz cx="6858000" cy="9144000"/>
   <p:embeddedFontLst>
     <p:embeddedFont>
       <p:font typeface="Anek Malayalam" panose="020B0604020202020204" charset="0"/>
-      <p:regular r:id="rId8"/>
-      <p:bold r:id="rId9"/>
+      <p:regular r:id="rId9"/>
+      <p:bold r:id="rId10"/>
     </p:embeddedFont>
     <p:embeddedFont>
-      <p:font typeface="Bebas Neue" panose="020B0606020202050201" pitchFamily="34" charset="0"/>
-      <p:regular r:id="rId10"/>
+      <p:font typeface="Bebas Neue" panose="020B0604020202020204" charset="0"/>
+      <p:regular r:id="rId11"/>
     </p:embeddedFont>
     <p:embeddedFont>
       <p:font typeface="Orbitron" panose="020B0604020202020204" charset="0"/>
-      <p:regular r:id="rId11"/>
-      <p:bold r:id="rId12"/>
+      <p:regular r:id="rId12"/>
+      <p:bold r:id="rId13"/>
     </p:embeddedFont>
   </p:embeddedFontLst>
   <p:defaultTextStyle>
@@ -35799,6 +35800,427 @@
   <p:cSld>
     <p:spTree>
       <p:nvGrpSpPr>
+        <p:cNvPr id="1" name=""/>
+        <p:cNvGrpSpPr/>
+        <p:nvPr/>
+      </p:nvGrpSpPr>
+      <p:grpSpPr>
+        <a:xfrm>
+          <a:off x="0" y="0"/>
+          <a:ext cx="0" cy="0"/>
+          <a:chOff x="0" y="0"/>
+          <a:chExt cx="0" cy="0"/>
+        </a:xfrm>
+      </p:grpSpPr>
+      <p:sp>
+        <p:nvSpPr>
+          <p:cNvPr id="2" name="Title 1">
+            <a:extLst>
+              <a:ext uri="{FF2B5EF4-FFF2-40B4-BE49-F238E27FC236}">
+                <a16:creationId xmlns:a16="http://schemas.microsoft.com/office/drawing/2014/main" id="{510602FD-CE68-4BD8-8299-9DBCD8853CDF}"/>
+              </a:ext>
+            </a:extLst>
+          </p:cNvPr>
+          <p:cNvSpPr>
+            <a:spLocks noGrp="1"/>
+          </p:cNvSpPr>
+          <p:nvPr>
+            <p:ph type="title"/>
+          </p:nvPr>
+        </p:nvSpPr>
+        <p:spPr/>
+        <p:txBody>
+          <a:bodyPr/>
+          <a:lstStyle/>
+          <a:p>
+            <a:r>
+              <a:rPr lang="en-US" dirty="0"/>
+              <a:t>Stages of </a:t>
+            </a:r>
+            <a:r>
+              <a:rPr lang="en-US" dirty="0">
+                <a:solidFill>
+                  <a:schemeClr val="dk2"/>
+                </a:solidFill>
+                <a:highlight>
+                  <a:schemeClr val="dk1"/>
+                </a:highlight>
+              </a:rPr>
+              <a:t>development</a:t>
+            </a:r>
+          </a:p>
+        </p:txBody>
+      </p:sp>
+      <p:sp>
+        <p:nvSpPr>
+          <p:cNvPr id="5" name="Subtitle 4">
+            <a:extLst>
+              <a:ext uri="{FF2B5EF4-FFF2-40B4-BE49-F238E27FC236}">
+                <a16:creationId xmlns:a16="http://schemas.microsoft.com/office/drawing/2014/main" id="{EADFB529-092E-4C32-8A4B-4BFCB76AAD11}"/>
+              </a:ext>
+            </a:extLst>
+          </p:cNvPr>
+          <p:cNvSpPr>
+            <a:spLocks noGrp="1"/>
+          </p:cNvSpPr>
+          <p:nvPr>
+            <p:ph type="subTitle" idx="3"/>
+          </p:nvPr>
+        </p:nvSpPr>
+        <p:spPr>
+          <a:xfrm>
+            <a:off x="297543" y="2012850"/>
+            <a:ext cx="3962400" cy="558900"/>
+          </a:xfrm>
+        </p:spPr>
+        <p:txBody>
+          <a:bodyPr/>
+          <a:lstStyle/>
+          <a:p>
+            <a:r>
+              <a:rPr lang="en-US" dirty="0"/>
+              <a:t>1. Gathered as a team</a:t>
+            </a:r>
+          </a:p>
+        </p:txBody>
+      </p:sp>
+      <p:sp>
+        <p:nvSpPr>
+          <p:cNvPr id="6" name="Subtitle 5">
+            <a:extLst>
+              <a:ext uri="{FF2B5EF4-FFF2-40B4-BE49-F238E27FC236}">
+                <a16:creationId xmlns:a16="http://schemas.microsoft.com/office/drawing/2014/main" id="{D78E86D5-9B3B-4A14-A4F7-1907D4790C69}"/>
+              </a:ext>
+            </a:extLst>
+          </p:cNvPr>
+          <p:cNvSpPr>
+            <a:spLocks noGrp="1"/>
+          </p:cNvSpPr>
+          <p:nvPr>
+            <p:ph type="subTitle" idx="4"/>
+          </p:nvPr>
+        </p:nvSpPr>
+        <p:spPr>
+          <a:xfrm>
+            <a:off x="3197519" y="2759512"/>
+            <a:ext cx="3590790" cy="698050"/>
+          </a:xfrm>
+        </p:spPr>
+        <p:txBody>
+          <a:bodyPr/>
+          <a:lstStyle/>
+          <a:p>
+            <a:r>
+              <a:rPr lang="en-US" dirty="0"/>
+              <a:t>2 . Got an idea</a:t>
+            </a:r>
+          </a:p>
+        </p:txBody>
+      </p:sp>
+      <p:sp>
+        <p:nvSpPr>
+          <p:cNvPr id="8" name="Subtitle 5">
+            <a:extLst>
+              <a:ext uri="{FF2B5EF4-FFF2-40B4-BE49-F238E27FC236}">
+                <a16:creationId xmlns:a16="http://schemas.microsoft.com/office/drawing/2014/main" id="{AAE99119-C263-4D2A-8894-50E127A44677}"/>
+              </a:ext>
+            </a:extLst>
+          </p:cNvPr>
+          <p:cNvSpPr txBox="1">
+            <a:spLocks/>
+          </p:cNvSpPr>
+          <p:nvPr/>
+        </p:nvSpPr>
+        <p:spPr>
+          <a:xfrm>
+            <a:off x="5428295" y="3809725"/>
+            <a:ext cx="3590790" cy="698050"/>
+          </a:xfrm>
+          <a:prstGeom prst="rect">
+            <a:avLst/>
+          </a:prstGeom>
+          <a:noFill/>
+          <a:ln>
+            <a:noFill/>
+          </a:ln>
+        </p:spPr>
+        <p:txBody>
+          <a:bodyPr spcFirstLastPara="1" wrap="square" lIns="91425" tIns="91425" rIns="91425" bIns="91425" anchor="b" anchorCtr="0">
+            <a:noAutofit/>
+          </a:bodyPr>
+          <a:lstStyle>
+            <a:defPPr marR="0" lvl="0" algn="l" rtl="0">
+              <a:lnSpc>
+                <a:spcPct val="100000"/>
+              </a:lnSpc>
+              <a:spcBef>
+                <a:spcPts val="0"/>
+              </a:spcBef>
+              <a:spcAft>
+                <a:spcPts val="0"/>
+              </a:spcAft>
+            </a:defPPr>
+            <a:lvl1pPr marL="457200" marR="0" lvl="0" indent="-317500" algn="l" rtl="0">
+              <a:lnSpc>
+                <a:spcPct val="100000"/>
+              </a:lnSpc>
+              <a:spcBef>
+                <a:spcPts val="0"/>
+              </a:spcBef>
+              <a:spcAft>
+                <a:spcPts val="0"/>
+              </a:spcAft>
+              <a:buClr>
+                <a:schemeClr val="lt1"/>
+              </a:buClr>
+              <a:buSzPts val="2400"/>
+              <a:buFont typeface="Bebas Neue"/>
+              <a:buNone/>
+              <a:defRPr sz="2400" b="0" i="0" u="none" strike="noStrike" cap="none">
+                <a:solidFill>
+                  <a:schemeClr val="dk1"/>
+                </a:solidFill>
+                <a:latin typeface="Orbitron"/>
+                <a:ea typeface="Orbitron"/>
+                <a:cs typeface="Orbitron"/>
+                <a:sym typeface="Orbitron"/>
+              </a:defRPr>
+            </a:lvl1pPr>
+            <a:lvl2pPr marL="914400" marR="0" lvl="1" indent="-317500" algn="ctr" rtl="0">
+              <a:lnSpc>
+                <a:spcPct val="100000"/>
+              </a:lnSpc>
+              <a:spcBef>
+                <a:spcPts val="0"/>
+              </a:spcBef>
+              <a:spcAft>
+                <a:spcPts val="0"/>
+              </a:spcAft>
+              <a:buClr>
+                <a:schemeClr val="lt1"/>
+              </a:buClr>
+              <a:buSzPts val="2400"/>
+              <a:buFont typeface="Bebas Neue"/>
+              <a:buNone/>
+              <a:defRPr sz="2400" b="0" i="0" u="none" strike="noStrike" cap="none">
+                <a:solidFill>
+                  <a:schemeClr val="lt1"/>
+                </a:solidFill>
+                <a:latin typeface="Bebas Neue"/>
+                <a:ea typeface="Bebas Neue"/>
+                <a:cs typeface="Bebas Neue"/>
+                <a:sym typeface="Bebas Neue"/>
+              </a:defRPr>
+            </a:lvl2pPr>
+            <a:lvl3pPr marL="1371600" marR="0" lvl="2" indent="-317500" algn="ctr" rtl="0">
+              <a:lnSpc>
+                <a:spcPct val="100000"/>
+              </a:lnSpc>
+              <a:spcBef>
+                <a:spcPts val="0"/>
+              </a:spcBef>
+              <a:spcAft>
+                <a:spcPts val="0"/>
+              </a:spcAft>
+              <a:buClr>
+                <a:schemeClr val="lt1"/>
+              </a:buClr>
+              <a:buSzPts val="2400"/>
+              <a:buFont typeface="Bebas Neue"/>
+              <a:buNone/>
+              <a:defRPr sz="2400" b="0" i="0" u="none" strike="noStrike" cap="none">
+                <a:solidFill>
+                  <a:schemeClr val="lt1"/>
+                </a:solidFill>
+                <a:latin typeface="Bebas Neue"/>
+                <a:ea typeface="Bebas Neue"/>
+                <a:cs typeface="Bebas Neue"/>
+                <a:sym typeface="Bebas Neue"/>
+              </a:defRPr>
+            </a:lvl3pPr>
+            <a:lvl4pPr marL="1828800" marR="0" lvl="3" indent="-317500" algn="ctr" rtl="0">
+              <a:lnSpc>
+                <a:spcPct val="100000"/>
+              </a:lnSpc>
+              <a:spcBef>
+                <a:spcPts val="0"/>
+              </a:spcBef>
+              <a:spcAft>
+                <a:spcPts val="0"/>
+              </a:spcAft>
+              <a:buClr>
+                <a:schemeClr val="lt1"/>
+              </a:buClr>
+              <a:buSzPts val="2400"/>
+              <a:buFont typeface="Bebas Neue"/>
+              <a:buNone/>
+              <a:defRPr sz="2400" b="0" i="0" u="none" strike="noStrike" cap="none">
+                <a:solidFill>
+                  <a:schemeClr val="lt1"/>
+                </a:solidFill>
+                <a:latin typeface="Bebas Neue"/>
+                <a:ea typeface="Bebas Neue"/>
+                <a:cs typeface="Bebas Neue"/>
+                <a:sym typeface="Bebas Neue"/>
+              </a:defRPr>
+            </a:lvl4pPr>
+            <a:lvl5pPr marL="2286000" marR="0" lvl="4" indent="-317500" algn="ctr" rtl="0">
+              <a:lnSpc>
+                <a:spcPct val="100000"/>
+              </a:lnSpc>
+              <a:spcBef>
+                <a:spcPts val="0"/>
+              </a:spcBef>
+              <a:spcAft>
+                <a:spcPts val="0"/>
+              </a:spcAft>
+              <a:buClr>
+                <a:schemeClr val="lt1"/>
+              </a:buClr>
+              <a:buSzPts val="2400"/>
+              <a:buFont typeface="Bebas Neue"/>
+              <a:buNone/>
+              <a:defRPr sz="2400" b="0" i="0" u="none" strike="noStrike" cap="none">
+                <a:solidFill>
+                  <a:schemeClr val="lt1"/>
+                </a:solidFill>
+                <a:latin typeface="Bebas Neue"/>
+                <a:ea typeface="Bebas Neue"/>
+                <a:cs typeface="Bebas Neue"/>
+                <a:sym typeface="Bebas Neue"/>
+              </a:defRPr>
+            </a:lvl5pPr>
+            <a:lvl6pPr marL="2743200" marR="0" lvl="5" indent="-317500" algn="ctr" rtl="0">
+              <a:lnSpc>
+                <a:spcPct val="100000"/>
+              </a:lnSpc>
+              <a:spcBef>
+                <a:spcPts val="0"/>
+              </a:spcBef>
+              <a:spcAft>
+                <a:spcPts val="0"/>
+              </a:spcAft>
+              <a:buClr>
+                <a:schemeClr val="lt1"/>
+              </a:buClr>
+              <a:buSzPts val="2400"/>
+              <a:buFont typeface="Bebas Neue"/>
+              <a:buNone/>
+              <a:defRPr sz="2400" b="0" i="0" u="none" strike="noStrike" cap="none">
+                <a:solidFill>
+                  <a:schemeClr val="lt1"/>
+                </a:solidFill>
+                <a:latin typeface="Bebas Neue"/>
+                <a:ea typeface="Bebas Neue"/>
+                <a:cs typeface="Bebas Neue"/>
+                <a:sym typeface="Bebas Neue"/>
+              </a:defRPr>
+            </a:lvl6pPr>
+            <a:lvl7pPr marL="3200400" marR="0" lvl="6" indent="-317500" algn="ctr" rtl="0">
+              <a:lnSpc>
+                <a:spcPct val="100000"/>
+              </a:lnSpc>
+              <a:spcBef>
+                <a:spcPts val="0"/>
+              </a:spcBef>
+              <a:spcAft>
+                <a:spcPts val="0"/>
+              </a:spcAft>
+              <a:buClr>
+                <a:schemeClr val="lt1"/>
+              </a:buClr>
+              <a:buSzPts val="2400"/>
+              <a:buFont typeface="Bebas Neue"/>
+              <a:buNone/>
+              <a:defRPr sz="2400" b="0" i="0" u="none" strike="noStrike" cap="none">
+                <a:solidFill>
+                  <a:schemeClr val="lt1"/>
+                </a:solidFill>
+                <a:latin typeface="Bebas Neue"/>
+                <a:ea typeface="Bebas Neue"/>
+                <a:cs typeface="Bebas Neue"/>
+                <a:sym typeface="Bebas Neue"/>
+              </a:defRPr>
+            </a:lvl7pPr>
+            <a:lvl8pPr marL="3657600" marR="0" lvl="7" indent="-317500" algn="ctr" rtl="0">
+              <a:lnSpc>
+                <a:spcPct val="100000"/>
+              </a:lnSpc>
+              <a:spcBef>
+                <a:spcPts val="0"/>
+              </a:spcBef>
+              <a:spcAft>
+                <a:spcPts val="0"/>
+              </a:spcAft>
+              <a:buClr>
+                <a:schemeClr val="lt1"/>
+              </a:buClr>
+              <a:buSzPts val="2400"/>
+              <a:buFont typeface="Bebas Neue"/>
+              <a:buNone/>
+              <a:defRPr sz="2400" b="0" i="0" u="none" strike="noStrike" cap="none">
+                <a:solidFill>
+                  <a:schemeClr val="lt1"/>
+                </a:solidFill>
+                <a:latin typeface="Bebas Neue"/>
+                <a:ea typeface="Bebas Neue"/>
+                <a:cs typeface="Bebas Neue"/>
+                <a:sym typeface="Bebas Neue"/>
+              </a:defRPr>
+            </a:lvl8pPr>
+            <a:lvl9pPr marL="4114800" marR="0" lvl="8" indent="-317500" algn="ctr" rtl="0">
+              <a:lnSpc>
+                <a:spcPct val="100000"/>
+              </a:lnSpc>
+              <a:spcBef>
+                <a:spcPts val="0"/>
+              </a:spcBef>
+              <a:spcAft>
+                <a:spcPts val="0"/>
+              </a:spcAft>
+              <a:buClr>
+                <a:schemeClr val="lt1"/>
+              </a:buClr>
+              <a:buSzPts val="2400"/>
+              <a:buFont typeface="Bebas Neue"/>
+              <a:buNone/>
+              <a:defRPr sz="2400" b="0" i="0" u="none" strike="noStrike" cap="none">
+                <a:solidFill>
+                  <a:schemeClr val="lt1"/>
+                </a:solidFill>
+                <a:latin typeface="Bebas Neue"/>
+                <a:ea typeface="Bebas Neue"/>
+                <a:cs typeface="Bebas Neue"/>
+                <a:sym typeface="Bebas Neue"/>
+              </a:defRPr>
+            </a:lvl9pPr>
+          </a:lstStyle>
+          <a:p>
+            <a:r>
+              <a:rPr lang="en-US" dirty="0"/>
+              <a:t>3. Realization</a:t>
+            </a:r>
+          </a:p>
+        </p:txBody>
+      </p:sp>
+    </p:spTree>
+    <p:extLst>
+      <p:ext uri="{BB962C8B-B14F-4D97-AF65-F5344CB8AC3E}">
+        <p14:creationId xmlns:p14="http://schemas.microsoft.com/office/powerpoint/2010/main" val="8934755"/>
+      </p:ext>
+    </p:extLst>
+  </p:cSld>
+  <p:clrMapOvr>
+    <a:masterClrMapping/>
+  </p:clrMapOvr>
+</p:sld>
+</file>
+
+<file path=ppt/slides/slide5.xml><?xml version="1.0" encoding="utf-8"?>
+<p:sld xmlns:a="http://schemas.openxmlformats.org/drawingml/2006/main" xmlns:r="http://schemas.openxmlformats.org/officeDocument/2006/relationships" xmlns:p="http://schemas.openxmlformats.org/presentationml/2006/main">
+  <p:cSld>
+    <p:spTree>
+      <p:nvGrpSpPr>
         <p:cNvPr id="1" name="Shape 1758"/>
         <p:cNvGrpSpPr/>
         <p:nvPr/>
@@ -36147,8 +36569,12 @@
           </a:lstStyle>
           <a:p>
             <a:r>
+              <a:rPr lang="en-CA" sz="1800"/>
+              <a:t>		Our </a:t>
+            </a:r>
+            <a:r>
               <a:rPr lang="en-CA" sz="1800" dirty="0"/>
-              <a:t>Our idea is to create a chemistry game in which you run a chemistry lab. You run a chemistry business, you get orders from companies and  you have to synthesize chemistry products for them. Your biggest opponent is time. You have only 2 minutes to get the product and send it via the delivery services.</a:t>
+              <a:t>idea is to create a chemistry game in which you run a chemistry lab. You run a chemistry business, you get orders from companies and  you have to synthesize chemistry products for them. Your biggest opponent is time. You have only 2 minutes to get the product and send it via the delivery services.</a:t>
             </a:r>
           </a:p>
         </p:txBody>
@@ -36225,7 +36651,7 @@
 </p:sld>
 </file>
 
-<file path=ppt/slides/slide5.xml><?xml version="1.0" encoding="utf-8"?>
+<file path=ppt/slides/slide6.xml><?xml version="1.0" encoding="utf-8"?>
 <p:sld xmlns:a="http://schemas.openxmlformats.org/drawingml/2006/main" xmlns:r="http://schemas.openxmlformats.org/officeDocument/2006/relationships" xmlns:p="http://schemas.openxmlformats.org/presentationml/2006/main">
   <p:cSld>
     <p:spTree>
@@ -36278,7 +36704,19 @@
             </a:pPr>
             <a:r>
               <a:rPr lang="en" dirty="0"/>
-              <a:t>Let’s see our repo now!</a:t>
+              <a:t>Let’s see our </a:t>
+            </a:r>
+            <a:r>
+              <a:rPr lang="en-US"/>
+              <a:t>game</a:t>
+            </a:r>
+            <a:r>
+              <a:rPr lang="en"/>
+              <a:t> </a:t>
+            </a:r>
+            <a:r>
+              <a:rPr lang="en" dirty="0"/>
+              <a:t>now!</a:t>
             </a:r>
             <a:endParaRPr dirty="0"/>
           </a:p>
